--- a/중간보고서.pptx
+++ b/중간보고서.pptx
@@ -7574,7 +7574,7 @@
                 <a:latin typeface="마루 부리 Beta" panose="020B0600000101010101" pitchFamily="50" charset="-127"/>
                 <a:ea typeface="마루 부리 Beta" panose="020B0600000101010101" pitchFamily="50" charset="-127"/>
               </a:rPr>
-              <a:t>사용자의</a:t>
+              <a:t>한 달</a:t>
             </a:r>
             <a:endParaRPr lang="en-US" altLang="ko-KR" sz="1100" dirty="0">
               <a:solidFill>
@@ -7594,7 +7594,7 @@
                 <a:latin typeface="마루 부리 Beta" panose="020B0600000101010101" pitchFamily="50" charset="-127"/>
                 <a:ea typeface="마루 부리 Beta" panose="020B0600000101010101" pitchFamily="50" charset="-127"/>
               </a:rPr>
-              <a:t>감정 유추</a:t>
+              <a:t>돌아보기</a:t>
             </a:r>
           </a:p>
         </p:txBody>
